--- a/GMPTS2.pptx
+++ b/GMPTS2.pptx
@@ -3837,7 +3837,7 @@
         </p:nvSpPr>
         <p:spPr>
           <a:xfrm>
-            <a:off x="324683" y="5168246"/>
+            <a:off x="560814" y="5237494"/>
             <a:ext cx="1322655" cy="612648"/>
           </a:xfrm>
           <a:prstGeom prst="borderCallout2">
